--- a/Admin/User guides/Developers_guide.pptx
+++ b/Admin/User guides/Developers_guide.pptx
@@ -12,6 +12,7 @@
     <p:sldId id="274" r:id="rId6"/>
     <p:sldId id="275" r:id="rId7"/>
     <p:sldId id="276" r:id="rId8"/>
+    <p:sldId id="277" r:id="rId9"/>
   </p:sldIdLst>
   <p:sldSz cx="9144000" cy="6858000" type="screen4x3"/>
   <p:notesSz cx="6858000" cy="9144000"/>
@@ -295,7 +296,7 @@
             <a:fld id="{095903B0-56D7-49D8-B941-288D95AD0F5F}" type="datetimeFigureOut">
               <a:rPr lang="en-US" smtClean="0"/>
               <a:pPr/>
-              <a:t>7/14/2016</a:t>
+              <a:t>7/17/2016</a:t>
             </a:fld>
             <a:endParaRPr lang="en-GB"/>
           </a:p>
@@ -462,7 +463,7 @@
             <a:fld id="{095903B0-56D7-49D8-B941-288D95AD0F5F}" type="datetimeFigureOut">
               <a:rPr lang="en-US" smtClean="0"/>
               <a:pPr/>
-              <a:t>7/14/2016</a:t>
+              <a:t>7/17/2016</a:t>
             </a:fld>
             <a:endParaRPr lang="en-GB"/>
           </a:p>
@@ -639,7 +640,7 @@
             <a:fld id="{095903B0-56D7-49D8-B941-288D95AD0F5F}" type="datetimeFigureOut">
               <a:rPr lang="en-US" smtClean="0"/>
               <a:pPr/>
-              <a:t>7/14/2016</a:t>
+              <a:t>7/17/2016</a:t>
             </a:fld>
             <a:endParaRPr lang="en-GB"/>
           </a:p>
@@ -806,7 +807,7 @@
             <a:fld id="{095903B0-56D7-49D8-B941-288D95AD0F5F}" type="datetimeFigureOut">
               <a:rPr lang="en-US" smtClean="0"/>
               <a:pPr/>
-              <a:t>7/14/2016</a:t>
+              <a:t>7/17/2016</a:t>
             </a:fld>
             <a:endParaRPr lang="en-GB"/>
           </a:p>
@@ -1049,7 +1050,7 @@
             <a:fld id="{095903B0-56D7-49D8-B941-288D95AD0F5F}" type="datetimeFigureOut">
               <a:rPr lang="en-US" smtClean="0"/>
               <a:pPr/>
-              <a:t>7/14/2016</a:t>
+              <a:t>7/17/2016</a:t>
             </a:fld>
             <a:endParaRPr lang="en-GB"/>
           </a:p>
@@ -1334,7 +1335,7 @@
             <a:fld id="{095903B0-56D7-49D8-B941-288D95AD0F5F}" type="datetimeFigureOut">
               <a:rPr lang="en-US" smtClean="0"/>
               <a:pPr/>
-              <a:t>7/14/2016</a:t>
+              <a:t>7/17/2016</a:t>
             </a:fld>
             <a:endParaRPr lang="en-GB"/>
           </a:p>
@@ -1753,7 +1754,7 @@
             <a:fld id="{095903B0-56D7-49D8-B941-288D95AD0F5F}" type="datetimeFigureOut">
               <a:rPr lang="en-US" smtClean="0"/>
               <a:pPr/>
-              <a:t>7/14/2016</a:t>
+              <a:t>7/17/2016</a:t>
             </a:fld>
             <a:endParaRPr lang="en-GB"/>
           </a:p>
@@ -1868,7 +1869,7 @@
             <a:fld id="{095903B0-56D7-49D8-B941-288D95AD0F5F}" type="datetimeFigureOut">
               <a:rPr lang="en-US" smtClean="0"/>
               <a:pPr/>
-              <a:t>7/14/2016</a:t>
+              <a:t>7/17/2016</a:t>
             </a:fld>
             <a:endParaRPr lang="en-GB"/>
           </a:p>
@@ -1960,7 +1961,7 @@
             <a:fld id="{095903B0-56D7-49D8-B941-288D95AD0F5F}" type="datetimeFigureOut">
               <a:rPr lang="en-US" smtClean="0"/>
               <a:pPr/>
-              <a:t>7/14/2016</a:t>
+              <a:t>7/17/2016</a:t>
             </a:fld>
             <a:endParaRPr lang="en-GB"/>
           </a:p>
@@ -2234,7 +2235,7 @@
             <a:fld id="{095903B0-56D7-49D8-B941-288D95AD0F5F}" type="datetimeFigureOut">
               <a:rPr lang="en-US" smtClean="0"/>
               <a:pPr/>
-              <a:t>7/14/2016</a:t>
+              <a:t>7/17/2016</a:t>
             </a:fld>
             <a:endParaRPr lang="en-GB"/>
           </a:p>
@@ -2484,7 +2485,7 @@
             <a:fld id="{095903B0-56D7-49D8-B941-288D95AD0F5F}" type="datetimeFigureOut">
               <a:rPr lang="en-US" smtClean="0"/>
               <a:pPr/>
-              <a:t>7/14/2016</a:t>
+              <a:t>7/17/2016</a:t>
             </a:fld>
             <a:endParaRPr lang="en-GB"/>
           </a:p>
@@ -2694,7 +2695,7 @@
             <a:fld id="{095903B0-56D7-49D8-B941-288D95AD0F5F}" type="datetimeFigureOut">
               <a:rPr lang="en-US" smtClean="0"/>
               <a:pPr/>
-              <a:t>7/14/2016</a:t>
+              <a:t>7/17/2016</a:t>
             </a:fld>
             <a:endParaRPr lang="en-GB"/>
           </a:p>
@@ -3178,31 +3179,22 @@
         </p:spPr>
         <p:txBody>
           <a:bodyPr>
-            <a:normAutofit fontScale="70000" lnSpcReduction="20000"/>
+            <a:normAutofit fontScale="62500" lnSpcReduction="20000"/>
           </a:bodyPr>
           <a:lstStyle/>
           <a:p>
             <a:r>
               <a:rPr lang="en-GB" dirty="0" smtClean="0"/>
-              <a:t>Dinner choices was created in January 2016 by Andrew Carter an Embedded Software Engineer. He had no formal training in Excel VBA projects, thus the coding works but may not be optimal</a:t>
-            </a:r>
-            <a:r>
-              <a:rPr lang="en-GB" dirty="0" smtClean="0"/>
-              <a:t>.</a:t>
-            </a:r>
+              <a:t>Dinner choices was created in January 2016 by Andrew Carter an Embedded Software Engineer. He had no formal training in Excel VBA projects, thus the coding works but may not be as efficient as a VBA coder would write.</a:t>
+            </a:r>
+          </a:p>
+          <a:p>
             <a:endParaRPr lang="en-GB" dirty="0" smtClean="0"/>
           </a:p>
           <a:p>
-            <a:endParaRPr lang="en-GB" dirty="0" smtClean="0"/>
-          </a:p>
-          <a:p>
-            <a:r>
-              <a:rPr lang="en-GB" dirty="0" smtClean="0"/>
-              <a:t>Dinner </a:t>
-            </a:r>
-            <a:r>
-              <a:rPr lang="en-GB" dirty="0" smtClean="0"/>
-              <a:t>choice is stored in the following </a:t>
+            <a:r>
+              <a:rPr lang="en-GB" dirty="0" smtClean="0"/>
+              <a:t>Dinner choice is stored in the following </a:t>
             </a:r>
             <a:r>
               <a:rPr lang="en-GB" dirty="0" err="1" smtClean="0"/>
@@ -3221,19 +3213,7 @@
               <a:rPr lang="en-GB" dirty="0" smtClean="0">
                 <a:hlinkClick r:id="rId2"/>
               </a:rPr>
-              <a:t>https</a:t>
-            </a:r>
-            <a:r>
-              <a:rPr lang="en-GB" dirty="0" smtClean="0">
-                <a:hlinkClick r:id="rId2"/>
-              </a:rPr>
-              <a:t>://</a:t>
-            </a:r>
-            <a:r>
-              <a:rPr lang="en-GB" dirty="0" smtClean="0">
-                <a:hlinkClick r:id="rId2"/>
-              </a:rPr>
-              <a:t>github.com/asfcarter/dinner_choices</a:t>
+              <a:t>https://github.com/asfcarter/dinner_choices</a:t>
             </a:r>
             <a:endParaRPr lang="en-GB" dirty="0" smtClean="0"/>
           </a:p>
@@ -3245,7 +3225,6 @@
               <a:rPr lang="en-GB" dirty="0" smtClean="0"/>
               <a:t>Although there’s some tricky functionality in the VBA code (I.e. manipulation of files etc) which took many hours to implement, the code size is comparatively small and is thought that anyone with a moderate knowledge of coding could easily understand.</a:t>
             </a:r>
-            <a:endParaRPr lang="en-GB" dirty="0" smtClean="0"/>
           </a:p>
           <a:p>
             <a:pPr>
@@ -3597,25 +3576,37 @@
           <a:p>
             <a:r>
               <a:rPr lang="en-GB" dirty="0" smtClean="0"/>
-              <a:t>Class lists are created (can be altered at any time but changes are only needed in the unlikely event of a pupil modification).</a:t>
-            </a:r>
-          </a:p>
-          <a:p>
+              <a:t>Class </a:t>
+            </a:r>
+            <a:r>
+              <a:rPr lang="en-GB" dirty="0" smtClean="0"/>
+              <a:t>lists (in the “default” directory) </a:t>
+            </a:r>
+            <a:r>
+              <a:rPr lang="en-GB" dirty="0" smtClean="0"/>
+              <a:t>are created </a:t>
+            </a:r>
+            <a:r>
+              <a:rPr lang="en-GB" dirty="0" smtClean="0"/>
+              <a:t>for regular daily use. They can be modified, I.e. if a pupil changes classes but altering files in the “default” directory isn’t a regular event.</a:t>
+            </a:r>
             <a:endParaRPr lang="en-GB" dirty="0" smtClean="0"/>
           </a:p>
           <a:p>
-            <a:r>
-              <a:rPr lang="en-GB" dirty="0" smtClean="0"/>
-              <a:t>On a daily basis before 9am the administrator sets and sends out the daily dinner choices to all the classes.</a:t>
-            </a:r>
-          </a:p>
-          <a:p>
             <a:endParaRPr lang="en-GB" dirty="0" smtClean="0"/>
           </a:p>
           <a:p>
             <a:r>
               <a:rPr lang="en-GB" dirty="0" smtClean="0"/>
-              <a:t>Before 9:30 all classes fill out their dinner choices.</a:t>
+              <a:t>On a daily basis before </a:t>
+            </a:r>
+            <a:r>
+              <a:rPr lang="en-GB" dirty="0" smtClean="0"/>
+              <a:t>8:30am </a:t>
+            </a:r>
+            <a:r>
+              <a:rPr lang="en-GB" dirty="0" smtClean="0"/>
+              <a:t>the administrator sets and sends out the daily dinner choices to all the classes.</a:t>
             </a:r>
           </a:p>
           <a:p>
@@ -3624,7 +3615,36 @@
           <a:p>
             <a:r>
               <a:rPr lang="en-GB" dirty="0" smtClean="0"/>
-              <a:t>At 10, the administrator confirms all of the choices have been made and reports the totals to the canteen.</a:t>
+              <a:t>Before </a:t>
+            </a:r>
+            <a:r>
+              <a:rPr lang="en-GB" dirty="0" smtClean="0"/>
+              <a:t>9:15 </a:t>
+            </a:r>
+            <a:r>
+              <a:rPr lang="en-GB" dirty="0" smtClean="0"/>
+              <a:t>all classes fill out their dinner choices.</a:t>
+            </a:r>
+          </a:p>
+          <a:p>
+            <a:endParaRPr lang="en-GB" dirty="0" smtClean="0"/>
+          </a:p>
+          <a:p>
+            <a:r>
+              <a:rPr lang="en-GB" dirty="0" smtClean="0"/>
+              <a:t>At </a:t>
+            </a:r>
+            <a:r>
+              <a:rPr lang="en-GB" dirty="0" smtClean="0"/>
+              <a:t>9:30</a:t>
+            </a:r>
+            <a:r>
+              <a:rPr lang="en-GB" dirty="0" smtClean="0"/>
+              <a:t>, </a:t>
+            </a:r>
+            <a:r>
+              <a:rPr lang="en-GB" dirty="0" smtClean="0"/>
+              <a:t>the administrator confirms all of the choices have been made and reports the totals to the canteen.</a:t>
             </a:r>
             <a:endParaRPr lang="en-GB" dirty="0"/>
           </a:p>
@@ -3691,39 +3711,39 @@
         <p:spPr/>
         <p:txBody>
           <a:bodyPr>
-            <a:normAutofit fontScale="92500"/>
+            <a:normAutofit/>
           </a:bodyPr>
           <a:lstStyle/>
           <a:p>
             <a:r>
-              <a:rPr lang="en-GB" dirty="0" smtClean="0"/>
+              <a:rPr lang="en-GB" sz="2000" dirty="0" smtClean="0"/>
               <a:t>Admin</a:t>
             </a:r>
           </a:p>
           <a:p>
             <a:pPr lvl="1"/>
             <a:r>
-              <a:rPr lang="en-GB" dirty="0" smtClean="0"/>
+              <a:rPr lang="en-GB" sz="1800" dirty="0" smtClean="0"/>
               <a:t>This folder should only be used by the administrator (see the admin folder section for more details)</a:t>
             </a:r>
           </a:p>
           <a:p>
             <a:r>
-              <a:rPr lang="en-GB" dirty="0" smtClean="0"/>
+              <a:rPr lang="en-GB" sz="2000" dirty="0" smtClean="0"/>
               <a:t>Classes</a:t>
             </a:r>
           </a:p>
           <a:p>
             <a:pPr lvl="1"/>
             <a:r>
-              <a:rPr lang="en-GB" dirty="0" smtClean="0"/>
+              <a:rPr lang="en-GB" sz="1800" dirty="0" smtClean="0"/>
               <a:t>This folder should only be used by teachers. It should only be populated when the administrator has sent the dinner choices and before the teachers have completed their daily choices.</a:t>
             </a:r>
           </a:p>
           <a:p>
             <a:pPr lvl="1"/>
             <a:r>
-              <a:rPr lang="en-GB" dirty="0" smtClean="0"/>
+              <a:rPr lang="en-GB" sz="1800" dirty="0" smtClean="0"/>
               <a:t>This folder should be empty after all the choices have been made.</a:t>
             </a:r>
           </a:p>
@@ -3901,6 +3921,94 @@
               <a:t> This is the location for the user guides.</a:t>
             </a:r>
             <a:endParaRPr lang="en-GB" dirty="0"/>
+          </a:p>
+        </p:txBody>
+      </p:sp>
+    </p:spTree>
+  </p:cSld>
+  <p:clrMapOvr>
+    <a:masterClrMapping/>
+  </p:clrMapOvr>
+</p:sld>
+</file>
+
+<file path=ppt/slides/slide8.xml><?xml version="1.0" encoding="utf-8"?>
+<p:sld xmlns:a="http://schemas.openxmlformats.org/drawingml/2006/main" xmlns:r="http://schemas.openxmlformats.org/officeDocument/2006/relationships" xmlns:p="http://schemas.openxmlformats.org/presentationml/2006/main">
+  <p:cSld>
+    <p:spTree>
+      <p:nvGrpSpPr>
+        <p:cNvPr id="1" name=""/>
+        <p:cNvGrpSpPr/>
+        <p:nvPr/>
+      </p:nvGrpSpPr>
+      <p:grpSpPr>
+        <a:xfrm>
+          <a:off x="0" y="0"/>
+          <a:ext cx="0" cy="0"/>
+          <a:chOff x="0" y="0"/>
+          <a:chExt cx="0" cy="0"/>
+        </a:xfrm>
+      </p:grpSpPr>
+      <p:sp>
+        <p:nvSpPr>
+          <p:cNvPr id="2" name="Title 1"/>
+          <p:cNvSpPr>
+            <a:spLocks noGrp="1"/>
+          </p:cNvSpPr>
+          <p:nvPr>
+            <p:ph type="title"/>
+          </p:nvPr>
+        </p:nvSpPr>
+        <p:spPr/>
+        <p:txBody>
+          <a:bodyPr/>
+          <a:lstStyle/>
+          <a:p>
+            <a:r>
+              <a:rPr lang="en-GB" dirty="0" smtClean="0"/>
+              <a:t>Where to start?</a:t>
+            </a:r>
+            <a:endParaRPr lang="en-GB" dirty="0"/>
+          </a:p>
+        </p:txBody>
+      </p:sp>
+      <p:sp>
+        <p:nvSpPr>
+          <p:cNvPr id="3" name="Content Placeholder 2"/>
+          <p:cNvSpPr>
+            <a:spLocks noGrp="1"/>
+          </p:cNvSpPr>
+          <p:nvPr>
+            <p:ph idx="1"/>
+          </p:nvPr>
+        </p:nvSpPr>
+        <p:spPr/>
+        <p:txBody>
+          <a:bodyPr>
+            <a:normAutofit/>
+          </a:bodyPr>
+          <a:lstStyle/>
+          <a:p>
+            <a:r>
+              <a:rPr lang="en-GB" sz="2000" dirty="0" smtClean="0"/>
+              <a:t>All changes made by the developer must be to the files in the “original” directory!</a:t>
+            </a:r>
+          </a:p>
+          <a:p>
+            <a:r>
+              <a:rPr lang="en-GB" sz="2000" dirty="0" smtClean="0"/>
+              <a:t>It’s up to the Administrator to copy the admin.xlsx from the “original” directory into the “admin” directory and the default class files from the “original” directory to the “default” directory as and when they’re completed.</a:t>
+            </a:r>
+          </a:p>
+          <a:p>
+            <a:r>
+              <a:rPr lang="en-GB" sz="2000" smtClean="0"/>
+              <a:t>The </a:t>
+            </a:r>
+            <a:r>
+              <a:rPr lang="en-GB" sz="2000" dirty="0" smtClean="0"/>
+              <a:t>only two files a developer should modify are the admin.xlsx and class.xlsx in the “original” directory.</a:t>
+            </a:r>
           </a:p>
         </p:txBody>
       </p:sp>
